--- a/PowerpointPresentation/Joash Monda Mokaya.pptx
+++ b/PowerpointPresentation/Joash Monda Mokaya.pptx
@@ -5871,8 +5871,8 @@
         </p:nvSpPr>
         <p:spPr>
           <a:xfrm>
-            <a:off x="381965" y="1427107"/>
-            <a:ext cx="9734307" cy="646331"/>
+            <a:off x="-575297" y="1427107"/>
+            <a:ext cx="10848010" cy="646331"/>
           </a:xfrm>
           <a:prstGeom prst="rect">
             <a:avLst/>
@@ -5906,7 +5906,17 @@
                   </a:schemeClr>
                 </a:solidFill>
               </a:rPr>
-              <a:t>to My PowerPoint </a:t>
+              <a:t>to My </a:t>
+            </a:r>
+            <a:r>
+              <a:rPr lang="en-US" sz="3600" dirty="0" smtClean="0">
+                <a:solidFill>
+                  <a:schemeClr val="accent1">
+                    <a:lumMod val="75000"/>
+                  </a:schemeClr>
+                </a:solidFill>
+              </a:rPr>
+              <a:t>PowerPoint Project </a:t>
             </a:r>
             <a:r>
               <a:rPr lang="en-US" sz="3600" dirty="0" smtClean="0">
@@ -5989,20 +5999,10 @@
                   </a:schemeClr>
                 </a:solidFill>
               </a:rPr>
-              <a:t> No</a:t>
-            </a:r>
-            <a:r>
-              <a:rPr lang="en-US" sz="2800" smtClean="0">
-                <a:solidFill>
-                  <a:schemeClr val="accent1">
-                    <a:lumMod val="75000"/>
-                  </a:schemeClr>
-                </a:solidFill>
-              </a:rPr>
-              <a:t>: </a:t>
-            </a:r>
-            <a:r>
-              <a:rPr lang="en-US" sz="2800" smtClean="0">
+              <a:t> No: </a:t>
+            </a:r>
+            <a:r>
+              <a:rPr lang="en-US" sz="2800" dirty="0" smtClean="0">
                 <a:solidFill>
                   <a:schemeClr val="accent1">
                     <a:lumMod val="75000"/>
